--- a/ppt/59_review.pptx
+++ b/ppt/59_review.pptx
@@ -256,6 +256,7 @@
           <a:p>
             <a:fld id="{A9BEC993-4158-4A4F-AE6D-4577F26C406B}" type="datetimeFigureOut">
               <a:rPr lang="en-US" smtClean="0"/>
+              <a:pPr/>
               <a:t>3/19/2021</a:t>
             </a:fld>
             <a:endParaRPr lang="en-US"/>
@@ -308,6 +309,7 @@
           <a:p>
             <a:fld id="{8DEE2909-2479-4260-A3FF-0602210429D0}" type="slidenum">
               <a:rPr lang="en-US" smtClean="0"/>
+              <a:pPr/>
               <a:t>‹#›</a:t>
             </a:fld>
             <a:endParaRPr lang="en-US"/>
@@ -615,6 +617,7 @@
           <a:p>
             <a:fld id="{A9BEC993-4158-4A4F-AE6D-4577F26C406B}" type="datetimeFigureOut">
               <a:rPr lang="en-US" smtClean="0"/>
+              <a:pPr/>
               <a:t>3/19/2021</a:t>
             </a:fld>
             <a:endParaRPr lang="en-US"/>
@@ -657,6 +660,7 @@
           <a:p>
             <a:fld id="{8DEE2909-2479-4260-A3FF-0602210429D0}" type="slidenum">
               <a:rPr lang="en-US" smtClean="0"/>
+              <a:pPr/>
               <a:t>‹#›</a:t>
             </a:fld>
             <a:endParaRPr lang="en-US"/>
@@ -790,6 +794,7 @@
           <a:p>
             <a:fld id="{A9BEC993-4158-4A4F-AE6D-4577F26C406B}" type="datetimeFigureOut">
               <a:rPr lang="en-US" smtClean="0"/>
+              <a:pPr/>
               <a:t>3/19/2021</a:t>
             </a:fld>
             <a:endParaRPr lang="en-US"/>
@@ -832,6 +837,7 @@
           <a:p>
             <a:fld id="{8DEE2909-2479-4260-A3FF-0602210429D0}" type="slidenum">
               <a:rPr lang="en-US" smtClean="0"/>
+              <a:pPr/>
               <a:t>‹#›</a:t>
             </a:fld>
             <a:endParaRPr lang="en-US"/>
@@ -1025,6 +1031,7 @@
           <a:p>
             <a:fld id="{A9BEC993-4158-4A4F-AE6D-4577F26C406B}" type="datetimeFigureOut">
               <a:rPr lang="en-US" smtClean="0"/>
+              <a:pPr/>
               <a:t>3/19/2021</a:t>
             </a:fld>
             <a:endParaRPr lang="en-US"/>
@@ -1067,6 +1074,7 @@
           <a:p>
             <a:fld id="{8DEE2909-2479-4260-A3FF-0602210429D0}" type="slidenum">
               <a:rPr lang="en-US" smtClean="0"/>
+              <a:pPr/>
               <a:t>‹#›</a:t>
             </a:fld>
             <a:endParaRPr lang="en-US"/>
@@ -1294,6 +1302,7 @@
           <a:p>
             <a:fld id="{A9BEC993-4158-4A4F-AE6D-4577F26C406B}" type="datetimeFigureOut">
               <a:rPr lang="en-US" smtClean="0"/>
+              <a:pPr/>
               <a:t>3/19/2021</a:t>
             </a:fld>
             <a:endParaRPr lang="en-US"/>
@@ -1346,6 +1355,7 @@
           <a:p>
             <a:fld id="{8DEE2909-2479-4260-A3FF-0602210429D0}" type="slidenum">
               <a:rPr lang="en-US" smtClean="0"/>
+              <a:pPr/>
               <a:t>‹#›</a:t>
             </a:fld>
             <a:endParaRPr lang="en-US"/>
@@ -1514,6 +1524,7 @@
           <a:p>
             <a:fld id="{A9BEC993-4158-4A4F-AE6D-4577F26C406B}" type="datetimeFigureOut">
               <a:rPr lang="en-US" smtClean="0"/>
+              <a:pPr/>
               <a:t>3/19/2021</a:t>
             </a:fld>
             <a:endParaRPr lang="en-US"/>
@@ -1556,6 +1567,7 @@
           <a:p>
             <a:fld id="{8DEE2909-2479-4260-A3FF-0602210429D0}" type="slidenum">
               <a:rPr lang="en-US" smtClean="0"/>
+              <a:pPr/>
               <a:t>‹#›</a:t>
             </a:fld>
             <a:endParaRPr lang="en-US"/>
@@ -1866,6 +1878,7 @@
           <a:p>
             <a:fld id="{A9BEC993-4158-4A4F-AE6D-4577F26C406B}" type="datetimeFigureOut">
               <a:rPr lang="en-US" smtClean="0"/>
+              <a:pPr/>
               <a:t>3/19/2021</a:t>
             </a:fld>
             <a:endParaRPr lang="en-US"/>
@@ -1908,6 +1921,7 @@
           <a:p>
             <a:fld id="{8DEE2909-2479-4260-A3FF-0602210429D0}" type="slidenum">
               <a:rPr lang="en-US" smtClean="0"/>
+              <a:pPr/>
               <a:t>‹#›</a:t>
             </a:fld>
             <a:endParaRPr lang="en-US"/>
@@ -2098,6 +2112,7 @@
           <a:p>
             <a:fld id="{A9BEC993-4158-4A4F-AE6D-4577F26C406B}" type="datetimeFigureOut">
               <a:rPr lang="en-US" smtClean="0"/>
+              <a:pPr/>
               <a:t>3/19/2021</a:t>
             </a:fld>
             <a:endParaRPr lang="en-US"/>
@@ -2140,6 +2155,7 @@
           <a:p>
             <a:fld id="{8DEE2909-2479-4260-A3FF-0602210429D0}" type="slidenum">
               <a:rPr lang="en-US" smtClean="0"/>
+              <a:pPr/>
               <a:t>‹#›</a:t>
             </a:fld>
             <a:endParaRPr lang="en-US"/>
@@ -2238,6 +2254,7 @@
           <a:p>
             <a:fld id="{A9BEC993-4158-4A4F-AE6D-4577F26C406B}" type="datetimeFigureOut">
               <a:rPr lang="en-US" smtClean="0"/>
+              <a:pPr/>
               <a:t>3/19/2021</a:t>
             </a:fld>
             <a:endParaRPr lang="en-US"/>
@@ -2280,6 +2297,7 @@
           <a:p>
             <a:fld id="{8DEE2909-2479-4260-A3FF-0602210429D0}" type="slidenum">
               <a:rPr lang="en-US" smtClean="0"/>
+              <a:pPr/>
               <a:t>‹#›</a:t>
             </a:fld>
             <a:endParaRPr lang="en-US"/>
@@ -2515,6 +2533,7 @@
           <a:p>
             <a:fld id="{A9BEC993-4158-4A4F-AE6D-4577F26C406B}" type="datetimeFigureOut">
               <a:rPr lang="en-US" smtClean="0"/>
+              <a:pPr/>
               <a:t>3/19/2021</a:t>
             </a:fld>
             <a:endParaRPr lang="en-US"/>
@@ -2557,6 +2576,7 @@
           <a:p>
             <a:fld id="{8DEE2909-2479-4260-A3FF-0602210429D0}" type="slidenum">
               <a:rPr lang="en-US" smtClean="0"/>
+              <a:pPr/>
               <a:t>‹#›</a:t>
             </a:fld>
             <a:endParaRPr lang="en-US"/>
@@ -2922,6 +2942,7 @@
           <a:p>
             <a:fld id="{A9BEC993-4158-4A4F-AE6D-4577F26C406B}" type="datetimeFigureOut">
               <a:rPr lang="en-US" smtClean="0"/>
+              <a:pPr/>
               <a:t>3/19/2021</a:t>
             </a:fld>
             <a:endParaRPr lang="en-US"/>
@@ -2964,6 +2985,7 @@
           <a:p>
             <a:fld id="{8DEE2909-2479-4260-A3FF-0602210429D0}" type="slidenum">
               <a:rPr lang="en-US" smtClean="0"/>
+              <a:pPr/>
               <a:t>‹#›</a:t>
             </a:fld>
             <a:endParaRPr lang="en-US"/>
@@ -3260,6 +3282,7 @@
           <a:p>
             <a:fld id="{A9BEC993-4158-4A4F-AE6D-4577F26C406B}" type="datetimeFigureOut">
               <a:rPr lang="en-US" smtClean="0"/>
+              <a:pPr/>
               <a:t>3/19/2021</a:t>
             </a:fld>
             <a:endParaRPr lang="en-US"/>
@@ -3334,6 +3357,7 @@
           <a:p>
             <a:fld id="{8DEE2909-2479-4260-A3FF-0602210429D0}" type="slidenum">
               <a:rPr lang="en-US" smtClean="0"/>
+              <a:pPr/>
               <a:t>‹#›</a:t>
             </a:fld>
             <a:endParaRPr lang="en-US"/>
@@ -3873,7 +3897,7 @@
                 <a:latin typeface="Times New Roman" pitchFamily="18" charset="0"/>
                 <a:cs typeface="Times New Roman" pitchFamily="18" charset="0"/>
               </a:rPr>
-              <a:t>S5MCA</a:t>
+              <a:t>S5 MCA</a:t>
             </a:r>
             <a:endParaRPr lang="en-US" sz="2400" dirty="0" smtClean="0">
               <a:latin typeface="Times New Roman" pitchFamily="18" charset="0"/>
@@ -3955,27 +3979,40 @@
         </p:nvSpPr>
         <p:spPr/>
         <p:txBody>
-          <a:bodyPr/>
-          <a:lstStyle/>
-          <a:p>
-            <a:r>
-              <a:rPr lang="en-IN" dirty="0" smtClean="0">
-                <a:latin typeface="Times New Roman" pitchFamily="18" charset="0"/>
-                <a:cs typeface="Times New Roman" pitchFamily="18" charset="0"/>
-              </a:rPr>
-              <a:t>The main objective of the system is to recommend automobiles to the users based upon their choice.</a:t>
-            </a:r>
-          </a:p>
-          <a:p>
-            <a:r>
-              <a:rPr lang="en-IN" dirty="0" smtClean="0">
-                <a:latin typeface="Times New Roman" pitchFamily="18" charset="0"/>
-                <a:cs typeface="Times New Roman" pitchFamily="18" charset="0"/>
-              </a:rPr>
-              <a:t>This system helps the users to buy an automobile that satisfies their </a:t>
-            </a:r>
-            <a:r>
-              <a:rPr lang="en-IN" dirty="0" smtClean="0">
+          <a:bodyPr>
+            <a:normAutofit/>
+          </a:bodyPr>
+          <a:lstStyle/>
+          <a:p>
+            <a:r>
+              <a:rPr lang="en-IN" sz="2400" dirty="0" smtClean="0">
+                <a:latin typeface="Times New Roman" pitchFamily="18" charset="0"/>
+                <a:cs typeface="Times New Roman" pitchFamily="18" charset="0"/>
+              </a:rPr>
+              <a:t>The main objective of the system is to recommend automobiles to the users based on their preference so that they can buy the suitable one. </a:t>
+            </a:r>
+            <a:endParaRPr lang="en-US" sz="2400" dirty="0" smtClean="0">
+              <a:latin typeface="Times New Roman" pitchFamily="18" charset="0"/>
+              <a:cs typeface="Times New Roman" pitchFamily="18" charset="0"/>
+            </a:endParaRPr>
+          </a:p>
+          <a:p>
+            <a:r>
+              <a:rPr lang="en-IN" sz="2400" dirty="0" smtClean="0">
+                <a:latin typeface="Times New Roman" pitchFamily="18" charset="0"/>
+                <a:cs typeface="Times New Roman" pitchFamily="18" charset="0"/>
+              </a:rPr>
+              <a:t>This </a:t>
+            </a:r>
+            <a:r>
+              <a:rPr lang="en-IN" sz="2400" dirty="0" smtClean="0">
+                <a:latin typeface="Times New Roman" pitchFamily="18" charset="0"/>
+                <a:cs typeface="Times New Roman" pitchFamily="18" charset="0"/>
+              </a:rPr>
+              <a:t>system helps the users to buy an automobile that satisfies their </a:t>
+            </a:r>
+            <a:r>
+              <a:rPr lang="en-IN" sz="2400" dirty="0" smtClean="0">
                 <a:latin typeface="Times New Roman" pitchFamily="18" charset="0"/>
                 <a:cs typeface="Times New Roman" pitchFamily="18" charset="0"/>
               </a:rPr>
@@ -3984,22 +4021,54 @@
           </a:p>
           <a:p>
             <a:r>
-              <a:rPr lang="en-IN" sz="2800" dirty="0" smtClean="0">
-                <a:latin typeface="Times New Roman" pitchFamily="18" charset="0"/>
-                <a:cs typeface="Times New Roman" pitchFamily="18" charset="0"/>
-              </a:rPr>
-              <a:t>This system recommends automobile from a wide variety of vehicles.</a:t>
-            </a:r>
-          </a:p>
-          <a:p>
-            <a:r>
-              <a:rPr lang="en-IN" sz="2800" dirty="0" smtClean="0">
-                <a:latin typeface="Times New Roman" pitchFamily="18" charset="0"/>
-                <a:cs typeface="Times New Roman" pitchFamily="18" charset="0"/>
-              </a:rPr>
-              <a:t>It helps user to own an automobile of their choice and also help users from many cheating agents.</a:t>
-            </a:r>
-            <a:endParaRPr lang="en-IN" sz="2800" dirty="0">
+              <a:rPr lang="en-IN" sz="2400" dirty="0" smtClean="0">
+                <a:latin typeface="Times New Roman" pitchFamily="18" charset="0"/>
+                <a:cs typeface="Times New Roman" pitchFamily="18" charset="0"/>
+              </a:rPr>
+              <a:t>The system also shows the current trending list of vehicles based </a:t>
+            </a:r>
+            <a:r>
+              <a:rPr lang="en-IN" sz="2400" dirty="0" smtClean="0">
+                <a:latin typeface="Times New Roman" pitchFamily="18" charset="0"/>
+                <a:cs typeface="Times New Roman" pitchFamily="18" charset="0"/>
+              </a:rPr>
+              <a:t>on users’ </a:t>
+            </a:r>
+            <a:r>
+              <a:rPr lang="en-IN" sz="2400" dirty="0" smtClean="0">
+                <a:latin typeface="Times New Roman" pitchFamily="18" charset="0"/>
+                <a:cs typeface="Times New Roman" pitchFamily="18" charset="0"/>
+              </a:rPr>
+              <a:t>ratings</a:t>
+            </a:r>
+            <a:r>
+              <a:rPr lang="en-IN" sz="2400" dirty="0" smtClean="0">
+                <a:latin typeface="Times New Roman" pitchFamily="18" charset="0"/>
+                <a:cs typeface="Times New Roman" pitchFamily="18" charset="0"/>
+              </a:rPr>
+              <a:t>.</a:t>
+            </a:r>
+            <a:endParaRPr lang="en-IN" sz="2400" dirty="0" smtClean="0">
+              <a:latin typeface="Times New Roman" pitchFamily="18" charset="0"/>
+              <a:cs typeface="Times New Roman" pitchFamily="18" charset="0"/>
+            </a:endParaRPr>
+          </a:p>
+          <a:p>
+            <a:r>
+              <a:rPr lang="en-IN" sz="2400" dirty="0" smtClean="0">
+                <a:latin typeface="Times New Roman" pitchFamily="18" charset="0"/>
+                <a:cs typeface="Times New Roman" pitchFamily="18" charset="0"/>
+              </a:rPr>
+              <a:t>It </a:t>
+            </a:r>
+            <a:r>
+              <a:rPr lang="en-IN" sz="2400" dirty="0" smtClean="0">
+                <a:latin typeface="Times New Roman" pitchFamily="18" charset="0"/>
+                <a:cs typeface="Times New Roman" pitchFamily="18" charset="0"/>
+              </a:rPr>
+              <a:t>helps user to own an automobile of their choice and also help users from many cheating agents.</a:t>
+            </a:r>
+            <a:endParaRPr lang="en-IN" sz="2400" dirty="0">
               <a:latin typeface="Times New Roman" pitchFamily="18" charset="0"/>
               <a:cs typeface="Times New Roman" pitchFamily="18" charset="0"/>
             </a:endParaRPr>
@@ -4097,8 +4166,19 @@
                 <a:latin typeface="Times New Roman" pitchFamily="18" charset="0"/>
                 <a:cs typeface="Times New Roman" pitchFamily="18" charset="0"/>
               </a:rPr>
-              <a:t> have enough knowledge about automobile.</a:t>
-            </a:r>
+              <a:t> have enough knowledge about </a:t>
+            </a:r>
+            <a:r>
+              <a:rPr lang="en-US" dirty="0" smtClean="0">
+                <a:latin typeface="Times New Roman" pitchFamily="18" charset="0"/>
+                <a:cs typeface="Times New Roman" pitchFamily="18" charset="0"/>
+              </a:rPr>
+              <a:t>automobiles.</a:t>
+            </a:r>
+            <a:endParaRPr lang="en-US" dirty="0" smtClean="0">
+              <a:latin typeface="Times New Roman" pitchFamily="18" charset="0"/>
+              <a:cs typeface="Times New Roman" pitchFamily="18" charset="0"/>
+            </a:endParaRPr>
           </a:p>
           <a:p>
             <a:r>
@@ -4106,14 +4186,42 @@
                 <a:latin typeface="Times New Roman" pitchFamily="18" charset="0"/>
                 <a:cs typeface="Times New Roman" pitchFamily="18" charset="0"/>
               </a:rPr>
-              <a:t>This system gives information about the automobile to the users directly, so that we can avoid fraud agencies </a:t>
+              <a:t>This system gives information about the </a:t>
             </a:r>
             <a:r>
               <a:rPr lang="en-IN" dirty="0" smtClean="0">
                 <a:latin typeface="Times New Roman" pitchFamily="18" charset="0"/>
                 <a:cs typeface="Times New Roman" pitchFamily="18" charset="0"/>
               </a:rPr>
-              <a:t>.</a:t>
+              <a:t>automobiles </a:t>
+            </a:r>
+            <a:r>
+              <a:rPr lang="en-IN" dirty="0" smtClean="0">
+                <a:latin typeface="Times New Roman" pitchFamily="18" charset="0"/>
+                <a:cs typeface="Times New Roman" pitchFamily="18" charset="0"/>
+              </a:rPr>
+              <a:t>to the users directly, so that </a:t>
+            </a:r>
+            <a:r>
+              <a:rPr lang="en-IN" dirty="0" smtClean="0">
+                <a:latin typeface="Times New Roman" pitchFamily="18" charset="0"/>
+                <a:cs typeface="Times New Roman" pitchFamily="18" charset="0"/>
+              </a:rPr>
+              <a:t>they</a:t>
+            </a:r>
+            <a:r>
+              <a:rPr lang="en-IN" dirty="0" smtClean="0">
+                <a:latin typeface="Times New Roman" pitchFamily="18" charset="0"/>
+                <a:cs typeface="Times New Roman" pitchFamily="18" charset="0"/>
+              </a:rPr>
+              <a:t> </a:t>
+            </a:r>
+            <a:r>
+              <a:rPr lang="en-IN" dirty="0" smtClean="0">
+                <a:latin typeface="Times New Roman" pitchFamily="18" charset="0"/>
+                <a:cs typeface="Times New Roman" pitchFamily="18" charset="0"/>
+              </a:rPr>
+              <a:t>can avoid fraud agencies .</a:t>
             </a:r>
           </a:p>
           <a:p>
@@ -4194,14 +4302,7 @@
                 <a:latin typeface="Times New Roman" pitchFamily="18" charset="0"/>
                 <a:cs typeface="Times New Roman" pitchFamily="18" charset="0"/>
               </a:rPr>
-              <a:t>Most of the existing system are based on query </a:t>
-            </a:r>
-            <a:r>
-              <a:rPr lang="en-IN" sz="2800" dirty="0" smtClean="0">
-                <a:latin typeface="Times New Roman" pitchFamily="18" charset="0"/>
-                <a:cs typeface="Times New Roman" pitchFamily="18" charset="0"/>
-              </a:rPr>
-              <a:t>pre-processing.</a:t>
+              <a:t>Most of the existing system are based on query pre-processing.</a:t>
             </a:r>
           </a:p>
           <a:p>
@@ -4298,8 +4399,19 @@
                 <a:latin typeface="Times New Roman" pitchFamily="18" charset="0"/>
                 <a:cs typeface="Times New Roman" pitchFamily="18" charset="0"/>
               </a:rPr>
-              <a:t>The system uses Ensemble method for recommendation.</a:t>
-            </a:r>
+              <a:t>The system uses Ensemble method for </a:t>
+            </a:r>
+            <a:r>
+              <a:rPr lang="en-US" sz="2800" dirty="0" smtClean="0">
+                <a:latin typeface="Times New Roman" pitchFamily="18" charset="0"/>
+                <a:cs typeface="Times New Roman" pitchFamily="18" charset="0"/>
+              </a:rPr>
+              <a:t>recommendation which provides more accuracy.</a:t>
+            </a:r>
+            <a:endParaRPr lang="en-US" sz="2800" dirty="0" smtClean="0">
+              <a:latin typeface="Times New Roman" pitchFamily="18" charset="0"/>
+              <a:cs typeface="Times New Roman" pitchFamily="18" charset="0"/>
+            </a:endParaRPr>
           </a:p>
           <a:p>
             <a:r>
@@ -4310,23 +4422,7 @@
                 <a:latin typeface="Times New Roman" pitchFamily="18" charset="0"/>
                 <a:cs typeface="Times New Roman" pitchFamily="18" charset="0"/>
               </a:rPr>
-              <a:t>An ensemble is itself a supervised learning algorithm, because it can be trained and then used to make predictions.</a:t>
-            </a:r>
-          </a:p>
-          <a:p>
-            <a:r>
-              <a:rPr lang="en-US" sz="2800" dirty="0" smtClean="0">
-                <a:latin typeface="Times New Roman" pitchFamily="18" charset="0"/>
-                <a:cs typeface="Times New Roman" pitchFamily="18" charset="0"/>
-              </a:rPr>
-              <a:t>Random forest algorithm is used.</a:t>
-            </a:r>
-            <a:r>
-              <a:rPr lang="en-IN" sz="2800" dirty="0" smtClean="0">
-                <a:latin typeface="Times New Roman" pitchFamily="18" charset="0"/>
-                <a:cs typeface="Times New Roman" pitchFamily="18" charset="0"/>
-              </a:rPr>
-              <a:t> Random Forest is </a:t>
+              <a:t>An ensemble is itself a supervised learning algorithm, because it can be trained and then used to make </a:t>
             </a:r>
             <a:r>
               <a:rPr lang="en-US" sz="2800" dirty="0" smtClean="0">
@@ -4336,7 +4432,7 @@
                 <a:latin typeface="Times New Roman" pitchFamily="18" charset="0"/>
                 <a:cs typeface="Times New Roman" pitchFamily="18" charset="0"/>
               </a:rPr>
-              <a:t>the most accurate ensemble learning algorithms available.</a:t>
+              <a:t>predictions.</a:t>
             </a:r>
             <a:endParaRPr lang="en-US" sz="2800" dirty="0" smtClean="0">
               <a:solidFill>
@@ -4345,6 +4441,32 @@
               <a:latin typeface="Times New Roman" pitchFamily="18" charset="0"/>
               <a:cs typeface="Times New Roman" pitchFamily="18" charset="0"/>
             </a:endParaRPr>
+          </a:p>
+          <a:p>
+            <a:r>
+              <a:rPr lang="en-US" sz="2800" dirty="0" smtClean="0">
+                <a:latin typeface="Times New Roman" pitchFamily="18" charset="0"/>
+                <a:cs typeface="Times New Roman" pitchFamily="18" charset="0"/>
+              </a:rPr>
+              <a:t>Random forest algorithm is used.</a:t>
+            </a:r>
+            <a:r>
+              <a:rPr lang="en-IN" sz="2800" dirty="0" smtClean="0">
+                <a:latin typeface="Times New Roman" pitchFamily="18" charset="0"/>
+                <a:cs typeface="Times New Roman" pitchFamily="18" charset="0"/>
+              </a:rPr>
+              <a:t> Random Forest is </a:t>
+            </a:r>
+            <a:r>
+              <a:rPr lang="en-US" sz="2800" dirty="0" smtClean="0">
+                <a:solidFill>
+                  <a:srgbClr val="202122"/>
+                </a:solidFill>
+                <a:latin typeface="Times New Roman" pitchFamily="18" charset="0"/>
+                <a:cs typeface="Times New Roman" pitchFamily="18" charset="0"/>
+              </a:rPr>
+              <a:t>the most accurate ensemble learning algorithms available.</a:t>
+            </a:r>
           </a:p>
           <a:p>
             <a:endParaRPr lang="en-US" dirty="0"/>
@@ -4475,15 +4597,7 @@
                 <a:ea typeface="Calibri" panose="020F0502020204030204" pitchFamily="34" charset="0"/>
                 <a:cs typeface="Times New Roman" pitchFamily="18" charset="0"/>
               </a:rPr>
-              <a:t>International Journal of Engineering &amp; Technology,2018, 192-196,7(3.4</a:t>
-            </a:r>
-            <a:r>
-              <a:rPr lang="en-US" sz="2800" dirty="0" smtClean="0">
-                <a:latin typeface="Times New Roman" pitchFamily="18" charset="0"/>
-                <a:ea typeface="Calibri" panose="020F0502020204030204" pitchFamily="34" charset="0"/>
-                <a:cs typeface="Times New Roman" pitchFamily="18" charset="0"/>
-              </a:rPr>
-              <a:t>).</a:t>
+              <a:t>International Journal of Engineering &amp; Technology,2018, 192-196,7(3.4).</a:t>
             </a:r>
           </a:p>
           <a:p>
@@ -4497,15 +4611,39 @@
                 <a:ea typeface="Calibri" panose="020F0502020204030204" pitchFamily="34" charset="0"/>
                 <a:cs typeface="Times New Roman" pitchFamily="18" charset="0"/>
               </a:rPr>
+              <a:t> Forecasting Automobile Sales using an Ensemble of Methods.</a:t>
+            </a:r>
+            <a:r>
+              <a:rPr lang="en-US" sz="2800" dirty="0" smtClean="0">
+                <a:latin typeface="Times New Roman" pitchFamily="18" charset="0"/>
+                <a:ea typeface="Times New Roman" panose="02020603050405020304" pitchFamily="18" charset="0"/>
+                <a:cs typeface="Times New Roman" pitchFamily="18" charset="0"/>
+              </a:rPr>
               <a:t> </a:t>
             </a:r>
             <a:r>
+              <a:rPr lang="en-US" sz="2800" dirty="0" err="1" smtClean="0">
+                <a:latin typeface="Times New Roman" pitchFamily="18" charset="0"/>
+                <a:ea typeface="Times New Roman" panose="02020603050405020304" pitchFamily="18" charset="0"/>
+                <a:cs typeface="Times New Roman" pitchFamily="18" charset="0"/>
+              </a:rPr>
+              <a:t>Sjoret</a:t>
+            </a:r>
+            <a:r>
               <a:rPr lang="en-US" sz="2800" dirty="0" smtClean="0">
                 <a:latin typeface="Times New Roman" pitchFamily="18" charset="0"/>
-                <a:ea typeface="Calibri" panose="020F0502020204030204" pitchFamily="34" charset="0"/>
-                <a:cs typeface="Times New Roman" pitchFamily="18" charset="0"/>
-              </a:rPr>
-              <a:t>Forecasting Automobile Sales using an Ensemble of Methods.</a:t>
+                <a:ea typeface="Times New Roman" panose="02020603050405020304" pitchFamily="18" charset="0"/>
+                <a:cs typeface="Times New Roman" pitchFamily="18" charset="0"/>
+              </a:rPr>
+              <a:t> </a:t>
+            </a:r>
+            <a:r>
+              <a:rPr lang="en-US" sz="2800" dirty="0" err="1" smtClean="0">
+                <a:latin typeface="Times New Roman" pitchFamily="18" charset="0"/>
+                <a:ea typeface="Times New Roman" panose="02020603050405020304" pitchFamily="18" charset="0"/>
+                <a:cs typeface="Times New Roman" pitchFamily="18" charset="0"/>
+              </a:rPr>
+              <a:t>Fleurke</a:t>
             </a:r>
             <a:r>
               <a:rPr lang="en-US" sz="2800" dirty="0" smtClean="0">
@@ -4513,47 +4651,7 @@
                 <a:ea typeface="Times New Roman" panose="02020603050405020304" pitchFamily="18" charset="0"/>
                 <a:cs typeface="Times New Roman" pitchFamily="18" charset="0"/>
               </a:rPr>
-              <a:t> </a:t>
-            </a:r>
-            <a:r>
-              <a:rPr lang="en-US" sz="2800" dirty="0" err="1" smtClean="0">
-                <a:latin typeface="Times New Roman" pitchFamily="18" charset="0"/>
-                <a:ea typeface="Times New Roman" panose="02020603050405020304" pitchFamily="18" charset="0"/>
-                <a:cs typeface="Times New Roman" pitchFamily="18" charset="0"/>
-              </a:rPr>
-              <a:t>Sjoret</a:t>
-            </a:r>
-            <a:r>
-              <a:rPr lang="en-US" sz="2800" dirty="0" smtClean="0">
-                <a:latin typeface="Times New Roman" pitchFamily="18" charset="0"/>
-                <a:ea typeface="Times New Roman" panose="02020603050405020304" pitchFamily="18" charset="0"/>
-                <a:cs typeface="Times New Roman" pitchFamily="18" charset="0"/>
-              </a:rPr>
-              <a:t> </a:t>
-            </a:r>
-            <a:r>
-              <a:rPr lang="en-US" sz="2800" dirty="0" err="1" smtClean="0">
-                <a:latin typeface="Times New Roman" pitchFamily="18" charset="0"/>
-                <a:ea typeface="Times New Roman" panose="02020603050405020304" pitchFamily="18" charset="0"/>
-                <a:cs typeface="Times New Roman" pitchFamily="18" charset="0"/>
-              </a:rPr>
-              <a:t>Fleurke</a:t>
-            </a:r>
-            <a:r>
-              <a:rPr lang="en-US" sz="2800" dirty="0" smtClean="0">
-                <a:latin typeface="Times New Roman" pitchFamily="18" charset="0"/>
-                <a:ea typeface="Times New Roman" panose="02020603050405020304" pitchFamily="18" charset="0"/>
-                <a:cs typeface="Times New Roman" pitchFamily="18" charset="0"/>
-              </a:rPr>
-              <a:t>, WSEAS TRASCATIONS ON SYSTEM,2017,337-345</a:t>
-            </a:r>
-            <a:r>
-              <a:rPr lang="en-US" sz="2800" dirty="0" smtClean="0">
-                <a:latin typeface="Times New Roman" pitchFamily="18" charset="0"/>
-                <a:ea typeface="Times New Roman" panose="02020603050405020304" pitchFamily="18" charset="0"/>
-                <a:cs typeface="Times New Roman" pitchFamily="18" charset="0"/>
-              </a:rPr>
-              <a:t>.</a:t>
+              <a:t>, WSEAS TRASCATIONS ON SYSTEM,2017,337-345.</a:t>
             </a:r>
           </a:p>
           <a:p>
@@ -4567,15 +4665,7 @@
                 <a:ea typeface="Calibri" panose="020F0502020204030204" pitchFamily="34" charset="0"/>
                 <a:cs typeface="Times New Roman" pitchFamily="18" charset="0"/>
               </a:rPr>
-              <a:t> </a:t>
-            </a:r>
-            <a:r>
-              <a:rPr lang="en-US" sz="2800" dirty="0" smtClean="0">
-                <a:latin typeface="Times New Roman" pitchFamily="18" charset="0"/>
-                <a:ea typeface="Calibri" panose="020F0502020204030204" pitchFamily="34" charset="0"/>
-                <a:cs typeface="Times New Roman" pitchFamily="18" charset="0"/>
-              </a:rPr>
-              <a:t>Second-hand Cars Recommender System Model using the SMOTE and the Random Forest Technique. </a:t>
+              <a:t> Second-hand Cars Recommender System Model using the SMOTE and the Random Forest Technique. </a:t>
             </a:r>
             <a:r>
               <a:rPr lang="en-US" sz="2800" dirty="0" err="1" smtClean="0">

--- a/ppt/59_review.pptx
+++ b/ppt/59_review.pptx
@@ -257,7 +257,7 @@
             <a:fld id="{A9BEC993-4158-4A4F-AE6D-4577F26C406B}" type="datetimeFigureOut">
               <a:rPr lang="en-US" smtClean="0"/>
               <a:pPr/>
-              <a:t>3/19/2021</a:t>
+              <a:t>3/20/2021</a:t>
             </a:fld>
             <a:endParaRPr lang="en-US"/>
           </a:p>
@@ -618,7 +618,7 @@
             <a:fld id="{A9BEC993-4158-4A4F-AE6D-4577F26C406B}" type="datetimeFigureOut">
               <a:rPr lang="en-US" smtClean="0"/>
               <a:pPr/>
-              <a:t>3/19/2021</a:t>
+              <a:t>3/20/2021</a:t>
             </a:fld>
             <a:endParaRPr lang="en-US"/>
           </a:p>
@@ -795,7 +795,7 @@
             <a:fld id="{A9BEC993-4158-4A4F-AE6D-4577F26C406B}" type="datetimeFigureOut">
               <a:rPr lang="en-US" smtClean="0"/>
               <a:pPr/>
-              <a:t>3/19/2021</a:t>
+              <a:t>3/20/2021</a:t>
             </a:fld>
             <a:endParaRPr lang="en-US"/>
           </a:p>
@@ -1032,7 +1032,7 @@
             <a:fld id="{A9BEC993-4158-4A4F-AE6D-4577F26C406B}" type="datetimeFigureOut">
               <a:rPr lang="en-US" smtClean="0"/>
               <a:pPr/>
-              <a:t>3/19/2021</a:t>
+              <a:t>3/20/2021</a:t>
             </a:fld>
             <a:endParaRPr lang="en-US"/>
           </a:p>
@@ -1303,7 +1303,7 @@
             <a:fld id="{A9BEC993-4158-4A4F-AE6D-4577F26C406B}" type="datetimeFigureOut">
               <a:rPr lang="en-US" smtClean="0"/>
               <a:pPr/>
-              <a:t>3/19/2021</a:t>
+              <a:t>3/20/2021</a:t>
             </a:fld>
             <a:endParaRPr lang="en-US"/>
           </a:p>
@@ -1525,7 +1525,7 @@
             <a:fld id="{A9BEC993-4158-4A4F-AE6D-4577F26C406B}" type="datetimeFigureOut">
               <a:rPr lang="en-US" smtClean="0"/>
               <a:pPr/>
-              <a:t>3/19/2021</a:t>
+              <a:t>3/20/2021</a:t>
             </a:fld>
             <a:endParaRPr lang="en-US"/>
           </a:p>
@@ -1879,7 +1879,7 @@
             <a:fld id="{A9BEC993-4158-4A4F-AE6D-4577F26C406B}" type="datetimeFigureOut">
               <a:rPr lang="en-US" smtClean="0"/>
               <a:pPr/>
-              <a:t>3/19/2021</a:t>
+              <a:t>3/20/2021</a:t>
             </a:fld>
             <a:endParaRPr lang="en-US"/>
           </a:p>
@@ -2113,7 +2113,7 @@
             <a:fld id="{A9BEC993-4158-4A4F-AE6D-4577F26C406B}" type="datetimeFigureOut">
               <a:rPr lang="en-US" smtClean="0"/>
               <a:pPr/>
-              <a:t>3/19/2021</a:t>
+              <a:t>3/20/2021</a:t>
             </a:fld>
             <a:endParaRPr lang="en-US"/>
           </a:p>
@@ -2255,7 +2255,7 @@
             <a:fld id="{A9BEC993-4158-4A4F-AE6D-4577F26C406B}" type="datetimeFigureOut">
               <a:rPr lang="en-US" smtClean="0"/>
               <a:pPr/>
-              <a:t>3/19/2021</a:t>
+              <a:t>3/20/2021</a:t>
             </a:fld>
             <a:endParaRPr lang="en-US"/>
           </a:p>
@@ -2534,7 +2534,7 @@
             <a:fld id="{A9BEC993-4158-4A4F-AE6D-4577F26C406B}" type="datetimeFigureOut">
               <a:rPr lang="en-US" smtClean="0"/>
               <a:pPr/>
-              <a:t>3/19/2021</a:t>
+              <a:t>3/20/2021</a:t>
             </a:fld>
             <a:endParaRPr lang="en-US"/>
           </a:p>
@@ -2943,7 +2943,7 @@
             <a:fld id="{A9BEC993-4158-4A4F-AE6D-4577F26C406B}" type="datetimeFigureOut">
               <a:rPr lang="en-US" smtClean="0"/>
               <a:pPr/>
-              <a:t>3/19/2021</a:t>
+              <a:t>3/20/2021</a:t>
             </a:fld>
             <a:endParaRPr lang="en-US"/>
           </a:p>
@@ -3283,7 +3283,7 @@
             <a:fld id="{A9BEC993-4158-4A4F-AE6D-4577F26C406B}" type="datetimeFigureOut">
               <a:rPr lang="en-US" smtClean="0"/>
               <a:pPr/>
-              <a:t>3/19/2021</a:t>
+              <a:t>3/20/2021</a:t>
             </a:fld>
             <a:endParaRPr lang="en-US"/>
           </a:p>
@@ -3899,10 +3899,6 @@
               </a:rPr>
               <a:t>S5 MCA</a:t>
             </a:r>
-            <a:endParaRPr lang="en-US" sz="2400" dirty="0" smtClean="0">
-              <a:latin typeface="Times New Roman" pitchFamily="18" charset="0"/>
-              <a:cs typeface="Times New Roman" pitchFamily="18" charset="0"/>
-            </a:endParaRPr>
           </a:p>
           <a:p>
             <a:r>
@@ -4002,71 +3998,25 @@
                 <a:latin typeface="Times New Roman" pitchFamily="18" charset="0"/>
                 <a:cs typeface="Times New Roman" pitchFamily="18" charset="0"/>
               </a:rPr>
-              <a:t>This </a:t>
-            </a:r>
+              <a:t>This system helps the users to buy an automobile that satisfies their needs</a:t>
+            </a:r>
+          </a:p>
+          <a:p>
             <a:r>
               <a:rPr lang="en-IN" sz="2400" dirty="0" smtClean="0">
                 <a:latin typeface="Times New Roman" pitchFamily="18" charset="0"/>
                 <a:cs typeface="Times New Roman" pitchFamily="18" charset="0"/>
               </a:rPr>
-              <a:t>system helps the users to buy an automobile that satisfies their </a:t>
-            </a:r>
+              <a:t>The system also shows the current trending list of vehicles based on users’ ratings.</a:t>
+            </a:r>
+          </a:p>
+          <a:p>
             <a:r>
               <a:rPr lang="en-IN" sz="2400" dirty="0" smtClean="0">
                 <a:latin typeface="Times New Roman" pitchFamily="18" charset="0"/>
                 <a:cs typeface="Times New Roman" pitchFamily="18" charset="0"/>
               </a:rPr>
-              <a:t>needs</a:t>
-            </a:r>
-          </a:p>
-          <a:p>
-            <a:r>
-              <a:rPr lang="en-IN" sz="2400" dirty="0" smtClean="0">
-                <a:latin typeface="Times New Roman" pitchFamily="18" charset="0"/>
-                <a:cs typeface="Times New Roman" pitchFamily="18" charset="0"/>
-              </a:rPr>
-              <a:t>The system also shows the current trending list of vehicles based </a:t>
-            </a:r>
-            <a:r>
-              <a:rPr lang="en-IN" sz="2400" dirty="0" smtClean="0">
-                <a:latin typeface="Times New Roman" pitchFamily="18" charset="0"/>
-                <a:cs typeface="Times New Roman" pitchFamily="18" charset="0"/>
-              </a:rPr>
-              <a:t>on users’ </a:t>
-            </a:r>
-            <a:r>
-              <a:rPr lang="en-IN" sz="2400" dirty="0" smtClean="0">
-                <a:latin typeface="Times New Roman" pitchFamily="18" charset="0"/>
-                <a:cs typeface="Times New Roman" pitchFamily="18" charset="0"/>
-              </a:rPr>
-              <a:t>ratings</a:t>
-            </a:r>
-            <a:r>
-              <a:rPr lang="en-IN" sz="2400" dirty="0" smtClean="0">
-                <a:latin typeface="Times New Roman" pitchFamily="18" charset="0"/>
-                <a:cs typeface="Times New Roman" pitchFamily="18" charset="0"/>
-              </a:rPr>
-              <a:t>.</a:t>
-            </a:r>
-            <a:endParaRPr lang="en-IN" sz="2400" dirty="0" smtClean="0">
-              <a:latin typeface="Times New Roman" pitchFamily="18" charset="0"/>
-              <a:cs typeface="Times New Roman" pitchFamily="18" charset="0"/>
-            </a:endParaRPr>
-          </a:p>
-          <a:p>
-            <a:r>
-              <a:rPr lang="en-IN" sz="2400" dirty="0" smtClean="0">
-                <a:latin typeface="Times New Roman" pitchFamily="18" charset="0"/>
-                <a:cs typeface="Times New Roman" pitchFamily="18" charset="0"/>
-              </a:rPr>
-              <a:t>It </a:t>
-            </a:r>
-            <a:r>
-              <a:rPr lang="en-IN" sz="2400" dirty="0" smtClean="0">
-                <a:latin typeface="Times New Roman" pitchFamily="18" charset="0"/>
-                <a:cs typeface="Times New Roman" pitchFamily="18" charset="0"/>
-              </a:rPr>
-              <a:t>helps user to own an automobile of their choice and also help users from many cheating agents.</a:t>
+              <a:t>It helps user to own an automobile of their choice and also help users from many fraud agencies.</a:t>
             </a:r>
             <a:endParaRPr lang="en-IN" sz="2400" dirty="0">
               <a:latin typeface="Times New Roman" pitchFamily="18" charset="0"/>
@@ -4166,19 +4116,8 @@
                 <a:latin typeface="Times New Roman" pitchFamily="18" charset="0"/>
                 <a:cs typeface="Times New Roman" pitchFamily="18" charset="0"/>
               </a:rPr>
-              <a:t> have enough knowledge about </a:t>
-            </a:r>
-            <a:r>
-              <a:rPr lang="en-US" dirty="0" smtClean="0">
-                <a:latin typeface="Times New Roman" pitchFamily="18" charset="0"/>
-                <a:cs typeface="Times New Roman" pitchFamily="18" charset="0"/>
-              </a:rPr>
-              <a:t>automobiles.</a:t>
-            </a:r>
-            <a:endParaRPr lang="en-US" dirty="0" smtClean="0">
-              <a:latin typeface="Times New Roman" pitchFamily="18" charset="0"/>
-              <a:cs typeface="Times New Roman" pitchFamily="18" charset="0"/>
-            </a:endParaRPr>
+              <a:t> have enough knowledge about automobiles.</a:t>
+            </a:r>
           </a:p>
           <a:p>
             <a:r>
@@ -4186,42 +4125,7 @@
                 <a:latin typeface="Times New Roman" pitchFamily="18" charset="0"/>
                 <a:cs typeface="Times New Roman" pitchFamily="18" charset="0"/>
               </a:rPr>
-              <a:t>This system gives information about the </a:t>
-            </a:r>
-            <a:r>
-              <a:rPr lang="en-IN" dirty="0" smtClean="0">
-                <a:latin typeface="Times New Roman" pitchFamily="18" charset="0"/>
-                <a:cs typeface="Times New Roman" pitchFamily="18" charset="0"/>
-              </a:rPr>
-              <a:t>automobiles </a:t>
-            </a:r>
-            <a:r>
-              <a:rPr lang="en-IN" dirty="0" smtClean="0">
-                <a:latin typeface="Times New Roman" pitchFamily="18" charset="0"/>
-                <a:cs typeface="Times New Roman" pitchFamily="18" charset="0"/>
-              </a:rPr>
-              <a:t>to the users directly, so that </a:t>
-            </a:r>
-            <a:r>
-              <a:rPr lang="en-IN" dirty="0" smtClean="0">
-                <a:latin typeface="Times New Roman" pitchFamily="18" charset="0"/>
-                <a:cs typeface="Times New Roman" pitchFamily="18" charset="0"/>
-              </a:rPr>
-              <a:t>they</a:t>
-            </a:r>
-            <a:r>
-              <a:rPr lang="en-IN" dirty="0" smtClean="0">
-                <a:latin typeface="Times New Roman" pitchFamily="18" charset="0"/>
-                <a:cs typeface="Times New Roman" pitchFamily="18" charset="0"/>
-              </a:rPr>
-              <a:t> </a:t>
-            </a:r>
-            <a:r>
-              <a:rPr lang="en-IN" dirty="0" smtClean="0">
-                <a:latin typeface="Times New Roman" pitchFamily="18" charset="0"/>
-                <a:cs typeface="Times New Roman" pitchFamily="18" charset="0"/>
-              </a:rPr>
-              <a:t>can avoid fraud agencies .</a:t>
+              <a:t>This system gives information about the automobiles to the users directly, so that they can avoid fraud agencies .</a:t>
             </a:r>
           </a:p>
           <a:p>
@@ -4302,7 +4206,7 @@
                 <a:latin typeface="Times New Roman" pitchFamily="18" charset="0"/>
                 <a:cs typeface="Times New Roman" pitchFamily="18" charset="0"/>
               </a:rPr>
-              <a:t>Most of the existing system are based on query pre-processing.</a:t>
+              <a:t>Only few systems exist on this domain</a:t>
             </a:r>
           </a:p>
           <a:p>
@@ -4311,18 +4215,74 @@
                 <a:latin typeface="Times New Roman" pitchFamily="18" charset="0"/>
                 <a:cs typeface="Times New Roman" pitchFamily="18" charset="0"/>
               </a:rPr>
-              <a:t>Only few provide recommendation, but they uses classifier algorithm for recommendation</a:t>
-            </a:r>
-          </a:p>
-          <a:p>
+              <a:t>Most </a:t>
+            </a:r>
             <a:r>
               <a:rPr lang="en-IN" sz="2800" dirty="0" smtClean="0">
                 <a:latin typeface="Times New Roman" pitchFamily="18" charset="0"/>
                 <a:cs typeface="Times New Roman" pitchFamily="18" charset="0"/>
               </a:rPr>
-              <a:t>They may compromise accuracy.</a:t>
-            </a:r>
-            <a:endParaRPr lang="en-US" sz="2800" dirty="0">
+              <a:t>of the existing </a:t>
+            </a:r>
+            <a:r>
+              <a:rPr lang="en-IN" sz="2800" dirty="0" smtClean="0">
+                <a:latin typeface="Times New Roman" pitchFamily="18" charset="0"/>
+                <a:cs typeface="Times New Roman" pitchFamily="18" charset="0"/>
+              </a:rPr>
+              <a:t>systems </a:t>
+            </a:r>
+            <a:r>
+              <a:rPr lang="en-IN" sz="2800" dirty="0" smtClean="0">
+                <a:latin typeface="Times New Roman" pitchFamily="18" charset="0"/>
+                <a:cs typeface="Times New Roman" pitchFamily="18" charset="0"/>
+              </a:rPr>
+              <a:t>are based on query pre-processing</a:t>
+            </a:r>
+            <a:r>
+              <a:rPr lang="en-IN" sz="2800" dirty="0" smtClean="0">
+                <a:latin typeface="Times New Roman" pitchFamily="18" charset="0"/>
+                <a:cs typeface="Times New Roman" pitchFamily="18" charset="0"/>
+              </a:rPr>
+              <a:t>.</a:t>
+            </a:r>
+          </a:p>
+          <a:p>
+            <a:r>
+              <a:rPr lang="en-IN" sz="2800" dirty="0" err="1" smtClean="0">
+                <a:latin typeface="Times New Roman" pitchFamily="18" charset="0"/>
+                <a:cs typeface="Times New Roman" pitchFamily="18" charset="0"/>
+              </a:rPr>
+              <a:t>Eg</a:t>
+            </a:r>
+            <a:r>
+              <a:rPr lang="en-IN" sz="2800" dirty="0" smtClean="0">
+                <a:latin typeface="Times New Roman" pitchFamily="18" charset="0"/>
+                <a:cs typeface="Times New Roman" pitchFamily="18" charset="0"/>
+              </a:rPr>
+              <a:t>: </a:t>
+            </a:r>
+            <a:r>
+              <a:rPr lang="en-IN" sz="2800" dirty="0" err="1" smtClean="0">
+                <a:latin typeface="Times New Roman" pitchFamily="18" charset="0"/>
+                <a:cs typeface="Times New Roman" pitchFamily="18" charset="0"/>
+              </a:rPr>
+              <a:t>Carwale</a:t>
+            </a:r>
+            <a:r>
+              <a:rPr lang="en-IN" sz="2800" dirty="0" smtClean="0">
+                <a:latin typeface="Times New Roman" pitchFamily="18" charset="0"/>
+                <a:cs typeface="Times New Roman" pitchFamily="18" charset="0"/>
+              </a:rPr>
+              <a:t>, </a:t>
+            </a:r>
+            <a:r>
+              <a:rPr lang="en-IN" sz="2800" dirty="0" err="1" smtClean="0">
+                <a:latin typeface="Times New Roman" pitchFamily="18" charset="0"/>
+                <a:cs typeface="Times New Roman" pitchFamily="18" charset="0"/>
+              </a:rPr>
+              <a:t>cardekho</a:t>
+            </a:r>
+            <a:endParaRPr lang="en-IN" sz="2800" dirty="0" smtClean="0">
               <a:latin typeface="Times New Roman" pitchFamily="18" charset="0"/>
               <a:cs typeface="Times New Roman" pitchFamily="18" charset="0"/>
             </a:endParaRPr>
@@ -4399,19 +4359,22 @@
                 <a:latin typeface="Times New Roman" pitchFamily="18" charset="0"/>
                 <a:cs typeface="Times New Roman" pitchFamily="18" charset="0"/>
               </a:rPr>
-              <a:t>The system uses Ensemble method for </a:t>
+              <a:t>The system uses Ensemble </a:t>
             </a:r>
             <a:r>
               <a:rPr lang="en-US" sz="2800" dirty="0" smtClean="0">
                 <a:latin typeface="Times New Roman" pitchFamily="18" charset="0"/>
                 <a:cs typeface="Times New Roman" pitchFamily="18" charset="0"/>
               </a:rPr>
-              <a:t>recommendation which provides more accuracy.</a:t>
-            </a:r>
-            <a:endParaRPr lang="en-US" sz="2800" dirty="0" smtClean="0">
-              <a:latin typeface="Times New Roman" pitchFamily="18" charset="0"/>
-              <a:cs typeface="Times New Roman" pitchFamily="18" charset="0"/>
-            </a:endParaRPr>
+              <a:t>learning method </a:t>
+            </a:r>
+            <a:r>
+              <a:rPr lang="en-US" sz="2800" dirty="0" smtClean="0">
+                <a:latin typeface="Times New Roman" pitchFamily="18" charset="0"/>
+                <a:cs typeface="Times New Roman" pitchFamily="18" charset="0"/>
+              </a:rPr>
+              <a:t>for recommendation which provides more accuracy.</a:t>
+            </a:r>
           </a:p>
           <a:p>
             <a:r>
@@ -4422,25 +4385,8 @@
                 <a:latin typeface="Times New Roman" pitchFamily="18" charset="0"/>
                 <a:cs typeface="Times New Roman" pitchFamily="18" charset="0"/>
               </a:rPr>
-              <a:t>An ensemble is itself a supervised learning algorithm, because it can be trained and then used to make </a:t>
-            </a:r>
-            <a:r>
-              <a:rPr lang="en-US" sz="2800" dirty="0" smtClean="0">
-                <a:solidFill>
-                  <a:srgbClr val="202122"/>
-                </a:solidFill>
-                <a:latin typeface="Times New Roman" pitchFamily="18" charset="0"/>
-                <a:cs typeface="Times New Roman" pitchFamily="18" charset="0"/>
-              </a:rPr>
-              <a:t>predictions.</a:t>
-            </a:r>
-            <a:endParaRPr lang="en-US" sz="2800" dirty="0" smtClean="0">
-              <a:solidFill>
-                <a:srgbClr val="202122"/>
-              </a:solidFill>
-              <a:latin typeface="Times New Roman" pitchFamily="18" charset="0"/>
-              <a:cs typeface="Times New Roman" pitchFamily="18" charset="0"/>
-            </a:endParaRPr>
+              <a:t>An ensemble is itself a supervised learning algorithm, because it can be trained and then used to make predictions.</a:t>
+            </a:r>
           </a:p>
           <a:p>
             <a:r>
